--- a/folded_gilbert/20230703/進捗報告_バッファ.pptx
+++ b/folded_gilbert/20230703/進捗報告_バッファ.pptx
@@ -4041,15 +4041,7 @@
           <a:p>
             <a:r>
               <a:rPr kumimoji="1" lang="ja-JP" altLang="en-US" dirty="0"/>
-              <a:t>進捗報告 </a:t>
-            </a:r>
-            <a:r>
-              <a:rPr kumimoji="1" lang="en-US" altLang="ja-JP" dirty="0"/>
-              <a:t>– </a:t>
-            </a:r>
-            <a:r>
-              <a:rPr kumimoji="1" lang="ja-JP" altLang="en-US" dirty="0"/>
-              <a:t>バッファの確認</a:t>
+              <a:t>進捗報告</a:t>
             </a:r>
           </a:p>
         </p:txBody>
@@ -4074,6 +4066,13 @@
         <p:txBody>
           <a:bodyPr/>
           <a:lstStyle/>
+          <a:p>
+            <a:r>
+              <a:rPr kumimoji="1" lang="ja-JP" altLang="en-US" dirty="0"/>
+              <a:t>バッファ回路の確認</a:t>
+            </a:r>
+            <a:endParaRPr kumimoji="1" lang="en-US" altLang="ja-JP" dirty="0"/>
+          </a:p>
           <a:p>
             <a:r>
               <a:rPr kumimoji="1" lang="en-US" altLang="ja-JP" dirty="0"/>
